--- a/505_Operator_Difference.pptx
+++ b/505_Operator_Difference.pptx
@@ -5,14 +5,20 @@
     <p:sldMasterId id="2147483648" r:id="rId1"/>
   </p:sldMasterIdLst>
   <p:notesMasterIdLst>
-    <p:notesMasterId r:id="rId7"/>
+    <p:notesMasterId r:id="rId13"/>
   </p:notesMasterIdLst>
   <p:sldIdLst>
     <p:sldId id="256" r:id="rId2"/>
     <p:sldId id="262" r:id="rId3"/>
-    <p:sldId id="296" r:id="rId4"/>
-    <p:sldId id="307" r:id="rId5"/>
-    <p:sldId id="259" r:id="rId6"/>
+    <p:sldId id="308" r:id="rId4"/>
+    <p:sldId id="296" r:id="rId5"/>
+    <p:sldId id="307" r:id="rId6"/>
+    <p:sldId id="309" r:id="rId7"/>
+    <p:sldId id="310" r:id="rId8"/>
+    <p:sldId id="311" r:id="rId9"/>
+    <p:sldId id="312" r:id="rId10"/>
+    <p:sldId id="313" r:id="rId11"/>
+    <p:sldId id="259" r:id="rId12"/>
   </p:sldIdLst>
   <p:sldSz cx="9144000" cy="6858000" type="screen4x3"/>
   <p:notesSz cx="6858000" cy="9144000"/>
@@ -3600,7 +3606,7 @@
 </p:sld>
 </file>
 
-<file path=ppt/slides/slide2.xml><?xml version="1.0" encoding="utf-8"?>
+<file path=ppt/slides/slide10.xml><?xml version="1.0" encoding="utf-8"?>
 <p:sld xmlns:a="http://schemas.openxmlformats.org/drawingml/2006/main" xmlns:r="http://schemas.openxmlformats.org/officeDocument/2006/relationships" xmlns:p="http://schemas.openxmlformats.org/presentationml/2006/main">
   <p:cSld>
     <p:spTree>
@@ -3672,7 +3678,7 @@
                   <a:srgbClr val="FFFF00"/>
                 </a:solidFill>
               </a:rPr>
-              <a:t>505 Difference in Operator</a:t>
+              <a:t>505.3 Arrow (-&gt;) Operator</a:t>
             </a:r>
             <a:endParaRPr lang="zh-TW" altLang="en-US" sz="4000" b="1" dirty="0">
               <a:solidFill>
@@ -3694,8 +3700,8 @@
         </p:nvSpPr>
         <p:spPr>
           <a:xfrm>
-            <a:off x="467543" y="1268758"/>
-            <a:ext cx="8241831" cy="864098"/>
+            <a:off x="438024" y="1250427"/>
+            <a:ext cx="7806383" cy="2034557"/>
           </a:xfrm>
           <a:ln>
             <a:solidFill>
@@ -3723,7 +3729,7 @@
                   <a:schemeClr val="tx1"/>
                 </a:solidFill>
               </a:rPr>
-              <a:t>Differences in Operators</a:t>
+              <a:t>Arrow (-&gt;) Operator</a:t>
             </a:r>
           </a:p>
           <a:p>
@@ -3741,7 +3747,59 @@
                   <a:schemeClr val="tx1"/>
                 </a:solidFill>
               </a:rPr>
-              <a:t>We discuss differences in Operators.</a:t>
+              <a:t>Whenever we have a pointer, we use arrow (-&gt;) to access the member function.</a:t>
+            </a:r>
+          </a:p>
+          <a:p>
+            <a:pPr marL="342900" indent="-342900" algn="l">
+              <a:buClr>
+                <a:srgbClr val="0070C0"/>
+              </a:buClr>
+              <a:buSzPct val="80000"/>
+              <a:buFont typeface="Wingdings" pitchFamily="2" charset="2"/>
+              <a:buChar char="u"/>
+            </a:pPr>
+            <a:r>
+              <a:rPr lang="en-US" sz="1800" dirty="0">
+                <a:solidFill>
+                  <a:schemeClr val="tx1"/>
+                </a:solidFill>
+              </a:rPr>
+              <a:t>Whenever we </a:t>
+            </a:r>
+            <a:r>
+              <a:rPr lang="en-US" sz="1800">
+                <a:solidFill>
+                  <a:schemeClr val="tx1"/>
+                </a:solidFill>
+              </a:rPr>
+              <a:t>have an </a:t>
+            </a:r>
+            <a:r>
+              <a:rPr lang="en-US" sz="1800" dirty="0">
+                <a:solidFill>
+                  <a:schemeClr val="tx1"/>
+                </a:solidFill>
+              </a:rPr>
+              <a:t>object, we use dot (.) to access the member function.</a:t>
+            </a:r>
+          </a:p>
+          <a:p>
+            <a:pPr marL="342900" indent="-342900" algn="l">
+              <a:buClr>
+                <a:srgbClr val="0070C0"/>
+              </a:buClr>
+              <a:buSzPct val="80000"/>
+              <a:buFont typeface="Wingdings" pitchFamily="2" charset="2"/>
+              <a:buChar char="u"/>
+            </a:pPr>
+            <a:r>
+              <a:rPr lang="en-US" sz="1800" dirty="0">
+                <a:solidFill>
+                  <a:schemeClr val="tx1"/>
+                </a:solidFill>
+              </a:rPr>
+              <a:t>Now, we understand when should we use arrow (-&gt;) and when do we use dot (.) operator.  </a:t>
             </a:r>
           </a:p>
         </p:txBody>
@@ -3863,12 +3921,648 @@
             <a:fld id="{E4D7E63D-91F2-4366-A2C4-1B00C9E2590E}" type="slidenum">
               <a:rPr lang="zh-TW" altLang="en-US" smtClean="0"/>
               <a:pPr/>
+              <a:t>10</a:t>
+            </a:fld>
+            <a:endParaRPr lang="zh-TW" altLang="en-US"/>
+          </a:p>
+        </p:txBody>
+      </p:sp>
+    </p:spTree>
+    <p:extLst>
+      <p:ext uri="{BB962C8B-B14F-4D97-AF65-F5344CB8AC3E}">
+        <p14:creationId xmlns:p14="http://schemas.microsoft.com/office/powerpoint/2010/main" val="2486961662"/>
+      </p:ext>
+    </p:extLst>
+  </p:cSld>
+  <p:clrMapOvr>
+    <a:masterClrMapping/>
+  </p:clrMapOvr>
+</p:sld>
+</file>
+
+<file path=ppt/slides/slide11.xml><?xml version="1.0" encoding="utf-8"?>
+<p:sld xmlns:a="http://schemas.openxmlformats.org/drawingml/2006/main" xmlns:r="http://schemas.openxmlformats.org/officeDocument/2006/relationships" xmlns:p="http://schemas.openxmlformats.org/presentationml/2006/main">
+  <p:cSld>
+    <p:spTree>
+      <p:nvGrpSpPr>
+        <p:cNvPr id="1" name=""/>
+        <p:cNvGrpSpPr/>
+        <p:nvPr/>
+      </p:nvGrpSpPr>
+      <p:grpSpPr>
+        <a:xfrm>
+          <a:off x="0" y="0"/>
+          <a:ext cx="0" cy="0"/>
+          <a:chOff x="0" y="0"/>
+          <a:chExt cx="0" cy="0"/>
+        </a:xfrm>
+      </p:grpSpPr>
+      <p:sp>
+        <p:nvSpPr>
+          <p:cNvPr id="2" name="標題 1"/>
+          <p:cNvSpPr>
+            <a:spLocks noGrp="1"/>
+          </p:cNvSpPr>
+          <p:nvPr>
+            <p:ph type="ctrTitle"/>
+          </p:nvPr>
+        </p:nvSpPr>
+        <p:spPr>
+          <a:xfrm>
+            <a:off x="0" y="2130425"/>
+            <a:ext cx="9144000" cy="1470025"/>
+          </a:xfrm>
+          <a:gradFill flip="none" rotWithShape="1">
+            <a:gsLst>
+              <a:gs pos="0">
+                <a:srgbClr val="00B0F0">
+                  <a:shade val="30000"/>
+                  <a:satMod val="115000"/>
+                </a:srgbClr>
+              </a:gs>
+              <a:gs pos="50000">
+                <a:srgbClr val="00B0F0">
+                  <a:shade val="67500"/>
+                  <a:satMod val="115000"/>
+                </a:srgbClr>
+              </a:gs>
+              <a:gs pos="100000">
+                <a:srgbClr val="00B0F0">
+                  <a:shade val="100000"/>
+                  <a:satMod val="115000"/>
+                </a:srgbClr>
+              </a:gs>
+            </a:gsLst>
+            <a:path path="circle">
+              <a:fillToRect t="100000" r="100000"/>
+            </a:path>
+            <a:tileRect l="-100000" b="-100000"/>
+          </a:gradFill>
+        </p:spPr>
+        <p:txBody>
+          <a:bodyPr>
+            <a:normAutofit/>
+          </a:bodyPr>
+          <a:lstStyle/>
+          <a:p>
+            <a:r>
+              <a:rPr lang="en-US" altLang="zh-TW" sz="6000" b="1">
+                <a:solidFill>
+                  <a:srgbClr val="FFFF00"/>
+                </a:solidFill>
+              </a:rPr>
+              <a:t>End</a:t>
+            </a:r>
+            <a:endParaRPr lang="zh-TW" altLang="en-US" sz="6000" b="1" dirty="0">
+              <a:solidFill>
+                <a:srgbClr val="FFFF00"/>
+              </a:solidFill>
+            </a:endParaRPr>
+          </a:p>
+        </p:txBody>
+      </p:sp>
+      <p:sp>
+        <p:nvSpPr>
+          <p:cNvPr id="5" name="日期版面配置區 4"/>
+          <p:cNvSpPr>
+            <a:spLocks noGrp="1"/>
+          </p:cNvSpPr>
+          <p:nvPr>
+            <p:ph type="dt" sz="half" idx="10"/>
+          </p:nvPr>
+        </p:nvSpPr>
+        <p:spPr/>
+        <p:txBody>
+          <a:bodyPr/>
+          <a:lstStyle/>
+          <a:p>
+            <a:fld id="{4E46BE27-E923-4EC2-B046-3272AE2A3E5C}" type="datetime1">
+              <a:rPr lang="zh-TW" altLang="en-US" smtClean="0"/>
+              <a:pPr/>
+              <a:t>2022/10/31</a:t>
+            </a:fld>
+            <a:endParaRPr lang="zh-TW" altLang="en-US"/>
+          </a:p>
+        </p:txBody>
+      </p:sp>
+      <p:sp>
+        <p:nvSpPr>
+          <p:cNvPr id="6" name="投影片編號版面配置區 5"/>
+          <p:cNvSpPr>
+            <a:spLocks noGrp="1"/>
+          </p:cNvSpPr>
+          <p:nvPr>
+            <p:ph type="sldNum" sz="quarter" idx="12"/>
+          </p:nvPr>
+        </p:nvSpPr>
+        <p:spPr/>
+        <p:txBody>
+          <a:bodyPr/>
+          <a:lstStyle/>
+          <a:p>
+            <a:fld id="{E4D7E63D-91F2-4366-A2C4-1B00C9E2590E}" type="slidenum">
+              <a:rPr lang="zh-TW" altLang="en-US" smtClean="0"/>
+              <a:pPr/>
+              <a:t>11</a:t>
+            </a:fld>
+            <a:endParaRPr lang="zh-TW" altLang="en-US"/>
+          </a:p>
+        </p:txBody>
+      </p:sp>
+    </p:spTree>
+  </p:cSld>
+  <p:clrMapOvr>
+    <a:masterClrMapping/>
+  </p:clrMapOvr>
+</p:sld>
+</file>
+
+<file path=ppt/slides/slide2.xml><?xml version="1.0" encoding="utf-8"?>
+<p:sld xmlns:a="http://schemas.openxmlformats.org/drawingml/2006/main" xmlns:r="http://schemas.openxmlformats.org/officeDocument/2006/relationships" xmlns:p="http://schemas.openxmlformats.org/presentationml/2006/main">
+  <p:cSld>
+    <p:spTree>
+      <p:nvGrpSpPr>
+        <p:cNvPr id="1" name=""/>
+        <p:cNvGrpSpPr/>
+        <p:nvPr/>
+      </p:nvGrpSpPr>
+      <p:grpSpPr>
+        <a:xfrm>
+          <a:off x="0" y="0"/>
+          <a:ext cx="0" cy="0"/>
+          <a:chOff x="0" y="0"/>
+          <a:chExt cx="0" cy="0"/>
+        </a:xfrm>
+      </p:grpSpPr>
+      <p:sp>
+        <p:nvSpPr>
+          <p:cNvPr id="2" name="標題 1"/>
+          <p:cNvSpPr>
+            <a:spLocks noGrp="1"/>
+          </p:cNvSpPr>
+          <p:nvPr>
+            <p:ph type="ctrTitle"/>
+          </p:nvPr>
+        </p:nvSpPr>
+        <p:spPr>
+          <a:xfrm>
+            <a:off x="0" y="1"/>
+            <a:ext cx="9144000" cy="764704"/>
+          </a:xfrm>
+          <a:gradFill flip="none" rotWithShape="1">
+            <a:gsLst>
+              <a:gs pos="0">
+                <a:srgbClr val="C00000">
+                  <a:shade val="30000"/>
+                  <a:satMod val="115000"/>
+                </a:srgbClr>
+              </a:gs>
+              <a:gs pos="50000">
+                <a:srgbClr val="C00000">
+                  <a:shade val="67500"/>
+                  <a:satMod val="115000"/>
+                </a:srgbClr>
+              </a:gs>
+              <a:gs pos="100000">
+                <a:srgbClr val="C00000">
+                  <a:shade val="100000"/>
+                  <a:satMod val="115000"/>
+                </a:srgbClr>
+              </a:gs>
+            </a:gsLst>
+            <a:path path="circle">
+              <a:fillToRect t="100000" r="100000"/>
+            </a:path>
+            <a:tileRect l="-100000" b="-100000"/>
+          </a:gradFill>
+        </p:spPr>
+        <p:txBody>
+          <a:bodyPr>
+            <a:normAutofit/>
+          </a:bodyPr>
+          <a:lstStyle/>
+          <a:p>
+            <a:pPr algn="l"/>
+            <a:r>
+              <a:rPr lang="en-US" altLang="zh-TW" sz="4000" b="1" dirty="0">
+                <a:solidFill>
+                  <a:srgbClr val="FFFF00"/>
+                </a:solidFill>
+              </a:rPr>
+              <a:t>505 Difference in Operator</a:t>
+            </a:r>
+            <a:endParaRPr lang="zh-TW" altLang="en-US" sz="4000" b="1" dirty="0">
+              <a:solidFill>
+                <a:srgbClr val="FFFF00"/>
+              </a:solidFill>
+            </a:endParaRPr>
+          </a:p>
+        </p:txBody>
+      </p:sp>
+      <p:sp>
+        <p:nvSpPr>
+          <p:cNvPr id="3" name="副標題 2"/>
+          <p:cNvSpPr>
+            <a:spLocks noGrp="1"/>
+          </p:cNvSpPr>
+          <p:nvPr>
+            <p:ph type="subTitle" idx="1"/>
+          </p:nvPr>
+        </p:nvSpPr>
+        <p:spPr>
+          <a:xfrm>
+            <a:off x="467543" y="1268757"/>
+            <a:ext cx="8241831" cy="1892749"/>
+          </a:xfrm>
+          <a:ln>
+            <a:solidFill>
+              <a:srgbClr val="C00000"/>
+            </a:solidFill>
+          </a:ln>
+        </p:spPr>
+        <p:txBody>
+          <a:bodyPr>
+            <a:noAutofit/>
+          </a:bodyPr>
+          <a:lstStyle/>
+          <a:p>
+            <a:pPr marL="342900" indent="-342900" algn="l">
+              <a:buClr>
+                <a:srgbClr val="0070C0"/>
+              </a:buClr>
+              <a:buSzPct val="80000"/>
+              <a:buFont typeface="Wingdings" pitchFamily="2" charset="2"/>
+              <a:buChar char="u"/>
+            </a:pPr>
+            <a:r>
+              <a:rPr lang="en-US" sz="1800" b="1" dirty="0">
+                <a:solidFill>
+                  <a:schemeClr val="tx1"/>
+                </a:solidFill>
+              </a:rPr>
+              <a:t>Differences in Operators</a:t>
+            </a:r>
+          </a:p>
+          <a:p>
+            <a:pPr marL="342900" indent="-342900" algn="l">
+              <a:buClr>
+                <a:srgbClr val="0070C0"/>
+              </a:buClr>
+              <a:buSzPct val="80000"/>
+              <a:buFont typeface="Wingdings" pitchFamily="2" charset="2"/>
+              <a:buChar char="u"/>
+            </a:pPr>
+            <a:r>
+              <a:rPr lang="en-US" sz="1800" dirty="0">
+                <a:solidFill>
+                  <a:schemeClr val="tx1"/>
+                </a:solidFill>
+              </a:rPr>
+              <a:t>We discuss differences in Operators.</a:t>
+            </a:r>
+          </a:p>
+          <a:p>
+            <a:pPr marL="342900" indent="-342900" algn="l">
+              <a:buClr>
+                <a:srgbClr val="0070C0"/>
+              </a:buClr>
+              <a:buSzPct val="80000"/>
+              <a:buFont typeface="Wingdings" pitchFamily="2" charset="2"/>
+              <a:buChar char="u"/>
+            </a:pPr>
+            <a:r>
+              <a:rPr lang="en-US" sz="1800" dirty="0">
+                <a:solidFill>
+                  <a:schemeClr val="tx1"/>
+                </a:solidFill>
+              </a:rPr>
+              <a:t>We create 05_Operator_Difference project and copy main.cpp from 04_Basic_QtApp project.</a:t>
+            </a:r>
+          </a:p>
+          <a:p>
+            <a:pPr marL="342900" indent="-342900" algn="l">
+              <a:buClr>
+                <a:srgbClr val="0070C0"/>
+              </a:buClr>
+              <a:buSzPct val="80000"/>
+              <a:buFont typeface="Wingdings" pitchFamily="2" charset="2"/>
+              <a:buChar char="u"/>
+            </a:pPr>
+            <a:r>
+              <a:rPr lang="en-US" sz="1800" dirty="0">
+                <a:solidFill>
+                  <a:schemeClr val="tx1"/>
+                </a:solidFill>
+              </a:rPr>
+              <a:t>We are wondering why we need the arrow in “-&gt;” in “label-&gt;show();”  instead of “.” separator in “label.show();” </a:t>
+            </a:r>
+          </a:p>
+        </p:txBody>
+      </p:sp>
+      <p:sp>
+        <p:nvSpPr>
+          <p:cNvPr id="4" name="標題 1"/>
+          <p:cNvSpPr txBox="1">
+            <a:spLocks/>
+          </p:cNvSpPr>
+          <p:nvPr/>
+        </p:nvSpPr>
+        <p:spPr>
+          <a:xfrm>
+            <a:off x="0" y="764704"/>
+            <a:ext cx="9144000" cy="360040"/>
+          </a:xfrm>
+          <a:prstGeom prst="rect">
+            <a:avLst/>
+          </a:prstGeom>
+          <a:gradFill flip="none" rotWithShape="1">
+            <a:gsLst>
+              <a:gs pos="0">
+                <a:srgbClr val="00B0F0">
+                  <a:shade val="30000"/>
+                  <a:satMod val="115000"/>
+                </a:srgbClr>
+              </a:gs>
+              <a:gs pos="50000">
+                <a:srgbClr val="00B0F0">
+                  <a:shade val="67500"/>
+                  <a:satMod val="115000"/>
+                </a:srgbClr>
+              </a:gs>
+              <a:gs pos="100000">
+                <a:srgbClr val="00B0F0">
+                  <a:shade val="100000"/>
+                  <a:satMod val="115000"/>
+                </a:srgbClr>
+              </a:gs>
+            </a:gsLst>
+            <a:path path="circle">
+              <a:fillToRect t="100000" r="100000"/>
+            </a:path>
+            <a:tileRect l="-100000" b="-100000"/>
+          </a:gradFill>
+        </p:spPr>
+        <p:txBody>
+          <a:bodyPr vert="horz" lIns="91440" tIns="45720" rIns="91440" bIns="45720" rtlCol="0" anchor="ctr">
+            <a:normAutofit/>
+          </a:bodyPr>
+          <a:lstStyle/>
+          <a:p>
+            <a:pPr lvl="0">
+              <a:spcBef>
+                <a:spcPct val="0"/>
+              </a:spcBef>
+            </a:pPr>
+            <a:r>
+              <a:rPr lang="en-US" sz="1600" dirty="0"/>
+              <a:t>https://www.youtube.com/watch?v=ufnA4UOKAFE&amp;list=PLD0D54219E5F2544D&amp;index=5</a:t>
+            </a:r>
+            <a:endParaRPr kumimoji="0" lang="zh-TW" altLang="en-US" sz="1600" b="0" i="0" u="none" strike="noStrike" kern="1200" cap="none" spc="0" normalizeH="0" baseline="0" noProof="0" dirty="0">
+              <a:ln>
+                <a:noFill/>
+              </a:ln>
+              <a:solidFill>
+                <a:schemeClr val="tx1"/>
+              </a:solidFill>
+              <a:effectLst/>
+              <a:uLnTx/>
+              <a:uFillTx/>
+              <a:latin typeface="+mj-lt"/>
+              <a:ea typeface="+mj-ea"/>
+              <a:cs typeface="+mj-cs"/>
+            </a:endParaRPr>
+          </a:p>
+        </p:txBody>
+      </p:sp>
+      <p:sp>
+        <p:nvSpPr>
+          <p:cNvPr id="5" name="日期版面配置區 4"/>
+          <p:cNvSpPr>
+            <a:spLocks noGrp="1"/>
+          </p:cNvSpPr>
+          <p:nvPr>
+            <p:ph type="dt" sz="half" idx="10"/>
+          </p:nvPr>
+        </p:nvSpPr>
+        <p:spPr/>
+        <p:txBody>
+          <a:bodyPr/>
+          <a:lstStyle/>
+          <a:p>
+            <a:fld id="{A4F910E6-8D00-4BAF-8C48-9688E0B449D3}" type="datetime1">
+              <a:rPr lang="zh-TW" altLang="en-US" smtClean="0"/>
+              <a:pPr/>
+              <a:t>2022/10/31</a:t>
+            </a:fld>
+            <a:endParaRPr lang="zh-TW" altLang="en-US"/>
+          </a:p>
+        </p:txBody>
+      </p:sp>
+      <p:sp>
+        <p:nvSpPr>
+          <p:cNvPr id="6" name="投影片編號版面配置區 5"/>
+          <p:cNvSpPr>
+            <a:spLocks noGrp="1"/>
+          </p:cNvSpPr>
+          <p:nvPr>
+            <p:ph type="sldNum" sz="quarter" idx="12"/>
+          </p:nvPr>
+        </p:nvSpPr>
+        <p:spPr/>
+        <p:txBody>
+          <a:bodyPr/>
+          <a:lstStyle/>
+          <a:p>
+            <a:fld id="{E4D7E63D-91F2-4366-A2C4-1B00C9E2590E}" type="slidenum">
+              <a:rPr lang="zh-TW" altLang="en-US" smtClean="0"/>
+              <a:pPr/>
               <a:t>2</a:t>
             </a:fld>
             <a:endParaRPr lang="zh-TW" altLang="en-US"/>
           </a:p>
         </p:txBody>
       </p:sp>
+      <p:pic>
+        <p:nvPicPr>
+          <p:cNvPr id="8" name="Picture 7">
+            <a:extLst>
+              <a:ext uri="{FF2B5EF4-FFF2-40B4-BE49-F238E27FC236}">
+                <a16:creationId xmlns:a16="http://schemas.microsoft.com/office/drawing/2014/main" id="{DEEE1D1E-5D32-2798-B205-6D2342ED7070}"/>
+              </a:ext>
+            </a:extLst>
+          </p:cNvPr>
+          <p:cNvPicPr>
+            <a:picLocks noChangeAspect="1"/>
+          </p:cNvPicPr>
+          <p:nvPr/>
+        </p:nvPicPr>
+        <p:blipFill>
+          <a:blip r:embed="rId2"/>
+          <a:stretch>
+            <a:fillRect/>
+          </a:stretch>
+        </p:blipFill>
+        <p:spPr>
+          <a:xfrm>
+            <a:off x="1504950" y="3346958"/>
+            <a:ext cx="6134100" cy="2219325"/>
+          </a:xfrm>
+          <a:prstGeom prst="rect">
+            <a:avLst/>
+          </a:prstGeom>
+          <a:ln>
+            <a:solidFill>
+              <a:srgbClr val="C00000"/>
+            </a:solidFill>
+          </a:ln>
+        </p:spPr>
+      </p:pic>
+      <p:sp>
+        <p:nvSpPr>
+          <p:cNvPr id="9" name="Rectangle 8">
+            <a:extLst>
+              <a:ext uri="{FF2B5EF4-FFF2-40B4-BE49-F238E27FC236}">
+                <a16:creationId xmlns:a16="http://schemas.microsoft.com/office/drawing/2014/main" id="{79833335-E8A9-F3A1-F16C-2F087C80C548}"/>
+              </a:ext>
+            </a:extLst>
+          </p:cNvPr>
+          <p:cNvSpPr/>
+          <p:nvPr/>
+        </p:nvSpPr>
+        <p:spPr>
+          <a:xfrm>
+            <a:off x="2886362" y="4591631"/>
+            <a:ext cx="288032" cy="288032"/>
+          </a:xfrm>
+          <a:prstGeom prst="rect">
+            <a:avLst/>
+          </a:prstGeom>
+          <a:noFill/>
+          <a:ln>
+            <a:solidFill>
+              <a:srgbClr val="C00000"/>
+            </a:solidFill>
+          </a:ln>
+        </p:spPr>
+        <p:style>
+          <a:lnRef idx="2">
+            <a:schemeClr val="accent1">
+              <a:shade val="50000"/>
+            </a:schemeClr>
+          </a:lnRef>
+          <a:fillRef idx="1">
+            <a:schemeClr val="accent1"/>
+          </a:fillRef>
+          <a:effectRef idx="0">
+            <a:schemeClr val="accent1"/>
+          </a:effectRef>
+          <a:fontRef idx="minor">
+            <a:schemeClr val="lt1"/>
+          </a:fontRef>
+        </p:style>
+        <p:txBody>
+          <a:bodyPr rtlCol="0" anchor="ctr"/>
+          <a:lstStyle/>
+          <a:p>
+            <a:pPr algn="ctr"/>
+            <a:endParaRPr lang="en-US"/>
+          </a:p>
+        </p:txBody>
+      </p:sp>
+      <p:sp>
+        <p:nvSpPr>
+          <p:cNvPr id="10" name="Rectangle 9">
+            <a:extLst>
+              <a:ext uri="{FF2B5EF4-FFF2-40B4-BE49-F238E27FC236}">
+                <a16:creationId xmlns:a16="http://schemas.microsoft.com/office/drawing/2014/main" id="{1395AE7C-1C00-B5E4-1750-7DFD2F332D83}"/>
+              </a:ext>
+            </a:extLst>
+          </p:cNvPr>
+          <p:cNvSpPr/>
+          <p:nvPr/>
+        </p:nvSpPr>
+        <p:spPr>
+          <a:xfrm>
+            <a:off x="5004048" y="2492896"/>
+            <a:ext cx="648072" cy="432048"/>
+          </a:xfrm>
+          <a:prstGeom prst="rect">
+            <a:avLst/>
+          </a:prstGeom>
+          <a:noFill/>
+          <a:ln>
+            <a:solidFill>
+              <a:srgbClr val="C00000"/>
+            </a:solidFill>
+          </a:ln>
+        </p:spPr>
+        <p:style>
+          <a:lnRef idx="2">
+            <a:schemeClr val="accent1">
+              <a:shade val="50000"/>
+            </a:schemeClr>
+          </a:lnRef>
+          <a:fillRef idx="1">
+            <a:schemeClr val="accent1"/>
+          </a:fillRef>
+          <a:effectRef idx="0">
+            <a:schemeClr val="accent1"/>
+          </a:effectRef>
+          <a:fontRef idx="minor">
+            <a:schemeClr val="lt1"/>
+          </a:fontRef>
+        </p:style>
+        <p:txBody>
+          <a:bodyPr rtlCol="0" anchor="ctr"/>
+          <a:lstStyle/>
+          <a:p>
+            <a:pPr algn="ctr"/>
+            <a:endParaRPr lang="en-US"/>
+          </a:p>
+        </p:txBody>
+      </p:sp>
+      <p:cxnSp>
+        <p:nvCxnSpPr>
+          <p:cNvPr id="12" name="Straight Arrow Connector 11">
+            <a:extLst>
+              <a:ext uri="{FF2B5EF4-FFF2-40B4-BE49-F238E27FC236}">
+                <a16:creationId xmlns:a16="http://schemas.microsoft.com/office/drawing/2014/main" id="{7DB5928E-B026-8519-A9A3-CEE73D8EA340}"/>
+              </a:ext>
+            </a:extLst>
+          </p:cNvPr>
+          <p:cNvCxnSpPr>
+            <a:stCxn id="10" idx="2"/>
+            <a:endCxn id="9" idx="0"/>
+          </p:cNvCxnSpPr>
+          <p:nvPr/>
+        </p:nvCxnSpPr>
+        <p:spPr>
+          <a:xfrm flipH="1">
+            <a:off x="3030378" y="2924944"/>
+            <a:ext cx="2297706" cy="1666687"/>
+          </a:xfrm>
+          <a:prstGeom prst="straightConnector1">
+            <a:avLst/>
+          </a:prstGeom>
+          <a:ln>
+            <a:tailEnd type="triangle"/>
+          </a:ln>
+        </p:spPr>
+        <p:style>
+          <a:lnRef idx="1">
+            <a:schemeClr val="accent2"/>
+          </a:lnRef>
+          <a:fillRef idx="0">
+            <a:schemeClr val="accent2"/>
+          </a:fillRef>
+          <a:effectRef idx="0">
+            <a:schemeClr val="accent2"/>
+          </a:effectRef>
+          <a:fontRef idx="minor">
+            <a:schemeClr val="tx1"/>
+          </a:fontRef>
+        </p:style>
+      </p:cxnSp>
     </p:spTree>
     <p:extLst>
       <p:ext uri="{BB962C8B-B14F-4D97-AF65-F5344CB8AC3E}">
@@ -3911,6 +4605,341 @@
         </p:nvSpPr>
         <p:spPr>
           <a:xfrm>
+            <a:off x="0" y="1"/>
+            <a:ext cx="9144000" cy="764704"/>
+          </a:xfrm>
+          <a:gradFill flip="none" rotWithShape="1">
+            <a:gsLst>
+              <a:gs pos="0">
+                <a:srgbClr val="C00000">
+                  <a:shade val="30000"/>
+                  <a:satMod val="115000"/>
+                </a:srgbClr>
+              </a:gs>
+              <a:gs pos="50000">
+                <a:srgbClr val="C00000">
+                  <a:shade val="67500"/>
+                  <a:satMod val="115000"/>
+                </a:srgbClr>
+              </a:gs>
+              <a:gs pos="100000">
+                <a:srgbClr val="C00000">
+                  <a:shade val="100000"/>
+                  <a:satMod val="115000"/>
+                </a:srgbClr>
+              </a:gs>
+            </a:gsLst>
+            <a:path path="circle">
+              <a:fillToRect t="100000" r="100000"/>
+            </a:path>
+            <a:tileRect l="-100000" b="-100000"/>
+          </a:gradFill>
+        </p:spPr>
+        <p:txBody>
+          <a:bodyPr>
+            <a:normAutofit/>
+          </a:bodyPr>
+          <a:lstStyle/>
+          <a:p>
+            <a:pPr algn="l"/>
+            <a:r>
+              <a:rPr lang="en-US" altLang="zh-TW" sz="4000" b="1" dirty="0">
+                <a:solidFill>
+                  <a:srgbClr val="FFFF00"/>
+                </a:solidFill>
+              </a:rPr>
+              <a:t>505 Difference in Operator</a:t>
+            </a:r>
+            <a:endParaRPr lang="zh-TW" altLang="en-US" sz="4000" b="1" dirty="0">
+              <a:solidFill>
+                <a:srgbClr val="FFFF00"/>
+              </a:solidFill>
+            </a:endParaRPr>
+          </a:p>
+        </p:txBody>
+      </p:sp>
+      <p:sp>
+        <p:nvSpPr>
+          <p:cNvPr id="3" name="副標題 2"/>
+          <p:cNvSpPr>
+            <a:spLocks noGrp="1"/>
+          </p:cNvSpPr>
+          <p:nvPr>
+            <p:ph type="subTitle" idx="1"/>
+          </p:nvPr>
+        </p:nvSpPr>
+        <p:spPr>
+          <a:xfrm>
+            <a:off x="467543" y="1268757"/>
+            <a:ext cx="8241831" cy="1368155"/>
+          </a:xfrm>
+          <a:ln>
+            <a:solidFill>
+              <a:srgbClr val="C00000"/>
+            </a:solidFill>
+          </a:ln>
+        </p:spPr>
+        <p:txBody>
+          <a:bodyPr>
+            <a:noAutofit/>
+          </a:bodyPr>
+          <a:lstStyle/>
+          <a:p>
+            <a:pPr marL="342900" indent="-342900" algn="l">
+              <a:buClr>
+                <a:srgbClr val="0070C0"/>
+              </a:buClr>
+              <a:buSzPct val="80000"/>
+              <a:buFont typeface="Wingdings" pitchFamily="2" charset="2"/>
+              <a:buChar char="u"/>
+            </a:pPr>
+            <a:r>
+              <a:rPr lang="en-US" sz="1800" b="1" dirty="0">
+                <a:solidFill>
+                  <a:schemeClr val="tx1"/>
+                </a:solidFill>
+              </a:rPr>
+              <a:t>Differences in Operators</a:t>
+            </a:r>
+          </a:p>
+          <a:p>
+            <a:pPr marL="342900" indent="-342900" algn="l">
+              <a:buClr>
+                <a:srgbClr val="0070C0"/>
+              </a:buClr>
+              <a:buSzPct val="80000"/>
+              <a:buFont typeface="Wingdings" pitchFamily="2" charset="2"/>
+              <a:buChar char="u"/>
+            </a:pPr>
+            <a:r>
+              <a:rPr lang="en-US" sz="1800" dirty="0">
+                <a:solidFill>
+                  <a:schemeClr val="tx1"/>
+                </a:solidFill>
+              </a:rPr>
+              <a:t>A lot of people are confused about double columns (::), dot (.), and arrow (-&gt;) operators.</a:t>
+            </a:r>
+          </a:p>
+          <a:p>
+            <a:pPr marL="342900" indent="-342900" algn="l">
+              <a:buClr>
+                <a:srgbClr val="0070C0"/>
+              </a:buClr>
+              <a:buSzPct val="80000"/>
+              <a:buFont typeface="Wingdings" pitchFamily="2" charset="2"/>
+              <a:buChar char="u"/>
+            </a:pPr>
+            <a:r>
+              <a:rPr lang="en-US" sz="1800" dirty="0">
+                <a:solidFill>
+                  <a:schemeClr val="tx1"/>
+                </a:solidFill>
+              </a:rPr>
+              <a:t>All of these are allowed to access functions in the classes or objects.</a:t>
+            </a:r>
+          </a:p>
+        </p:txBody>
+      </p:sp>
+      <p:sp>
+        <p:nvSpPr>
+          <p:cNvPr id="4" name="標題 1"/>
+          <p:cNvSpPr txBox="1">
+            <a:spLocks/>
+          </p:cNvSpPr>
+          <p:nvPr/>
+        </p:nvSpPr>
+        <p:spPr>
+          <a:xfrm>
+            <a:off x="0" y="764704"/>
+            <a:ext cx="9144000" cy="360040"/>
+          </a:xfrm>
+          <a:prstGeom prst="rect">
+            <a:avLst/>
+          </a:prstGeom>
+          <a:gradFill flip="none" rotWithShape="1">
+            <a:gsLst>
+              <a:gs pos="0">
+                <a:srgbClr val="00B0F0">
+                  <a:shade val="30000"/>
+                  <a:satMod val="115000"/>
+                </a:srgbClr>
+              </a:gs>
+              <a:gs pos="50000">
+                <a:srgbClr val="00B0F0">
+                  <a:shade val="67500"/>
+                  <a:satMod val="115000"/>
+                </a:srgbClr>
+              </a:gs>
+              <a:gs pos="100000">
+                <a:srgbClr val="00B0F0">
+                  <a:shade val="100000"/>
+                  <a:satMod val="115000"/>
+                </a:srgbClr>
+              </a:gs>
+            </a:gsLst>
+            <a:path path="circle">
+              <a:fillToRect t="100000" r="100000"/>
+            </a:path>
+            <a:tileRect l="-100000" b="-100000"/>
+          </a:gradFill>
+        </p:spPr>
+        <p:txBody>
+          <a:bodyPr vert="horz" lIns="91440" tIns="45720" rIns="91440" bIns="45720" rtlCol="0" anchor="ctr">
+            <a:normAutofit/>
+          </a:bodyPr>
+          <a:lstStyle/>
+          <a:p>
+            <a:pPr lvl="0">
+              <a:spcBef>
+                <a:spcPct val="0"/>
+              </a:spcBef>
+            </a:pPr>
+            <a:r>
+              <a:rPr lang="en-US" sz="1600" dirty="0"/>
+              <a:t>https://www.youtube.com/watch?v=ufnA4UOKAFE&amp;list=PLD0D54219E5F2544D&amp;index=5</a:t>
+            </a:r>
+            <a:endParaRPr kumimoji="0" lang="zh-TW" altLang="en-US" sz="1600" b="0" i="0" u="none" strike="noStrike" kern="1200" cap="none" spc="0" normalizeH="0" baseline="0" noProof="0" dirty="0">
+              <a:ln>
+                <a:noFill/>
+              </a:ln>
+              <a:solidFill>
+                <a:schemeClr val="tx1"/>
+              </a:solidFill>
+              <a:effectLst/>
+              <a:uLnTx/>
+              <a:uFillTx/>
+              <a:latin typeface="+mj-lt"/>
+              <a:ea typeface="+mj-ea"/>
+              <a:cs typeface="+mj-cs"/>
+            </a:endParaRPr>
+          </a:p>
+        </p:txBody>
+      </p:sp>
+      <p:sp>
+        <p:nvSpPr>
+          <p:cNvPr id="5" name="日期版面配置區 4"/>
+          <p:cNvSpPr>
+            <a:spLocks noGrp="1"/>
+          </p:cNvSpPr>
+          <p:nvPr>
+            <p:ph type="dt" sz="half" idx="10"/>
+          </p:nvPr>
+        </p:nvSpPr>
+        <p:spPr/>
+        <p:txBody>
+          <a:bodyPr/>
+          <a:lstStyle/>
+          <a:p>
+            <a:fld id="{A4F910E6-8D00-4BAF-8C48-9688E0B449D3}" type="datetime1">
+              <a:rPr lang="zh-TW" altLang="en-US" smtClean="0"/>
+              <a:pPr/>
+              <a:t>2022/10/31</a:t>
+            </a:fld>
+            <a:endParaRPr lang="zh-TW" altLang="en-US"/>
+          </a:p>
+        </p:txBody>
+      </p:sp>
+      <p:sp>
+        <p:nvSpPr>
+          <p:cNvPr id="6" name="投影片編號版面配置區 5"/>
+          <p:cNvSpPr>
+            <a:spLocks noGrp="1"/>
+          </p:cNvSpPr>
+          <p:nvPr>
+            <p:ph type="sldNum" sz="quarter" idx="12"/>
+          </p:nvPr>
+        </p:nvSpPr>
+        <p:spPr/>
+        <p:txBody>
+          <a:bodyPr/>
+          <a:lstStyle/>
+          <a:p>
+            <a:fld id="{E4D7E63D-91F2-4366-A2C4-1B00C9E2590E}" type="slidenum">
+              <a:rPr lang="zh-TW" altLang="en-US" smtClean="0"/>
+              <a:pPr/>
+              <a:t>3</a:t>
+            </a:fld>
+            <a:endParaRPr lang="zh-TW" altLang="en-US"/>
+          </a:p>
+        </p:txBody>
+      </p:sp>
+      <p:pic>
+        <p:nvPicPr>
+          <p:cNvPr id="8" name="Picture 7">
+            <a:extLst>
+              <a:ext uri="{FF2B5EF4-FFF2-40B4-BE49-F238E27FC236}">
+                <a16:creationId xmlns:a16="http://schemas.microsoft.com/office/drawing/2014/main" id="{DEEE1D1E-5D32-2798-B205-6D2342ED7070}"/>
+              </a:ext>
+            </a:extLst>
+          </p:cNvPr>
+          <p:cNvPicPr>
+            <a:picLocks noChangeAspect="1"/>
+          </p:cNvPicPr>
+          <p:nvPr/>
+        </p:nvPicPr>
+        <p:blipFill>
+          <a:blip r:embed="rId2"/>
+          <a:stretch>
+            <a:fillRect/>
+          </a:stretch>
+        </p:blipFill>
+        <p:spPr>
+          <a:xfrm>
+            <a:off x="1763688" y="2998087"/>
+            <a:ext cx="6134100" cy="2219325"/>
+          </a:xfrm>
+          <a:prstGeom prst="rect">
+            <a:avLst/>
+          </a:prstGeom>
+          <a:ln>
+            <a:solidFill>
+              <a:srgbClr val="C00000"/>
+            </a:solidFill>
+          </a:ln>
+        </p:spPr>
+      </p:pic>
+    </p:spTree>
+    <p:extLst>
+      <p:ext uri="{BB962C8B-B14F-4D97-AF65-F5344CB8AC3E}">
+        <p14:creationId xmlns:p14="http://schemas.microsoft.com/office/powerpoint/2010/main" val="3991210603"/>
+      </p:ext>
+    </p:extLst>
+  </p:cSld>
+  <p:clrMapOvr>
+    <a:masterClrMapping/>
+  </p:clrMapOvr>
+</p:sld>
+</file>
+
+<file path=ppt/slides/slide4.xml><?xml version="1.0" encoding="utf-8"?>
+<p:sld xmlns:a="http://schemas.openxmlformats.org/drawingml/2006/main" xmlns:r="http://schemas.openxmlformats.org/officeDocument/2006/relationships" xmlns:p="http://schemas.openxmlformats.org/presentationml/2006/main">
+  <p:cSld>
+    <p:spTree>
+      <p:nvGrpSpPr>
+        <p:cNvPr id="1" name=""/>
+        <p:cNvGrpSpPr/>
+        <p:nvPr/>
+      </p:nvGrpSpPr>
+      <p:grpSpPr>
+        <a:xfrm>
+          <a:off x="0" y="0"/>
+          <a:ext cx="0" cy="0"/>
+          <a:chOff x="0" y="0"/>
+          <a:chExt cx="0" cy="0"/>
+        </a:xfrm>
+      </p:grpSpPr>
+      <p:sp>
+        <p:nvSpPr>
+          <p:cNvPr id="2" name="標題 1"/>
+          <p:cNvSpPr>
+            <a:spLocks noGrp="1"/>
+          </p:cNvSpPr>
+          <p:nvPr>
+            <p:ph type="ctrTitle"/>
+          </p:nvPr>
+        </p:nvSpPr>
+        <p:spPr>
+          <a:xfrm>
             <a:off x="0" y="2130425"/>
             <a:ext cx="9144000" cy="1470025"/>
           </a:xfrm>
@@ -3930,7 +4959,15 @@
                   <a:srgbClr val="FFFF00"/>
                 </a:solidFill>
               </a:rPr>
-              <a:t>505.1 Create Qt Project</a:t>
+              <a:t>505.1 Double Columns (::) </a:t>
+            </a:r>
+            <a:r>
+              <a:rPr lang="en-US" altLang="zh-TW" sz="4000" b="1" dirty="0" err="1">
+                <a:solidFill>
+                  <a:srgbClr val="FFFF00"/>
+                </a:solidFill>
+              </a:rPr>
+              <a:t>Opeator</a:t>
             </a:r>
             <a:endParaRPr lang="zh-TW" altLang="en-US" sz="4000" b="1" dirty="0">
               <a:solidFill>
@@ -3982,7 +5019,7 @@
             <a:fld id="{E4D7E63D-91F2-4366-A2C4-1B00C9E2590E}" type="slidenum">
               <a:rPr lang="zh-TW" altLang="en-US" smtClean="0"/>
               <a:pPr/>
-              <a:t>3</a:t>
+              <a:t>4</a:t>
             </a:fld>
             <a:endParaRPr lang="zh-TW" altLang="en-US"/>
           </a:p>
@@ -4048,7 +5085,7 @@
 </p:sld>
 </file>
 
-<file path=ppt/slides/slide4.xml><?xml version="1.0" encoding="utf-8"?>
+<file path=ppt/slides/slide5.xml><?xml version="1.0" encoding="utf-8"?>
 <p:sld xmlns:a="http://schemas.openxmlformats.org/drawingml/2006/main" xmlns:r="http://schemas.openxmlformats.org/officeDocument/2006/relationships" xmlns:p="http://schemas.openxmlformats.org/presentationml/2006/main">
   <p:cSld>
     <p:spTree>
@@ -4120,7 +5157,7 @@
                   <a:srgbClr val="FFFF00"/>
                 </a:solidFill>
               </a:rPr>
-              <a:t>505.1 Create Qt Project</a:t>
+              <a:t>505.1 Double Columns (::) Operator</a:t>
             </a:r>
             <a:endParaRPr lang="zh-TW" altLang="en-US" sz="4000" b="1" dirty="0">
               <a:solidFill>
@@ -4142,8 +5179,8 @@
         </p:nvSpPr>
         <p:spPr>
           <a:xfrm>
-            <a:off x="438024" y="1250428"/>
-            <a:ext cx="7806383" cy="738412"/>
+            <a:off x="438024" y="1250427"/>
+            <a:ext cx="7806383" cy="4266805"/>
           </a:xfrm>
           <a:ln>
             <a:solidFill>
@@ -4171,7 +5208,7 @@
                   <a:schemeClr val="tx1"/>
                 </a:solidFill>
               </a:rPr>
-              <a:t>Create Qt Project</a:t>
+              <a:t>Double Columns (::) Operator</a:t>
             </a:r>
           </a:p>
           <a:p>
@@ -4189,7 +5226,187 @@
                   <a:schemeClr val="tx1"/>
                 </a:solidFill>
               </a:rPr>
-              <a:t>We create a very basic project.</a:t>
+              <a:t>If we have a class a, we want to use a member function called b. </a:t>
+            </a:r>
+          </a:p>
+          <a:p>
+            <a:pPr marL="342900" indent="-342900" algn="l">
+              <a:buClr>
+                <a:srgbClr val="0070C0"/>
+              </a:buClr>
+              <a:buSzPct val="80000"/>
+              <a:buFont typeface="Wingdings" pitchFamily="2" charset="2"/>
+              <a:buChar char="u"/>
+            </a:pPr>
+            <a:r>
+              <a:rPr lang="en-US" sz="1800" dirty="0">
+                <a:solidFill>
+                  <a:schemeClr val="tx1"/>
+                </a:solidFill>
+              </a:rPr>
+              <a:t>We can define the member function b in class a.</a:t>
+            </a:r>
+          </a:p>
+          <a:p>
+            <a:pPr marL="342900" indent="-342900" algn="l">
+              <a:buClr>
+                <a:srgbClr val="0070C0"/>
+              </a:buClr>
+              <a:buSzPct val="80000"/>
+              <a:buFont typeface="Wingdings" pitchFamily="2" charset="2"/>
+              <a:buChar char="u"/>
+            </a:pPr>
+            <a:r>
+              <a:rPr lang="en-US" sz="1800" dirty="0">
+                <a:solidFill>
+                  <a:schemeClr val="tx1"/>
+                </a:solidFill>
+              </a:rPr>
+              <a:t>&gt; a::b()</a:t>
+            </a:r>
+          </a:p>
+          <a:p>
+            <a:pPr marL="342900" indent="-342900" algn="l">
+              <a:buClr>
+                <a:srgbClr val="0070C0"/>
+              </a:buClr>
+              <a:buSzPct val="80000"/>
+              <a:buFont typeface="Wingdings" pitchFamily="2" charset="2"/>
+              <a:buChar char="u"/>
+            </a:pPr>
+            <a:r>
+              <a:rPr lang="en-US" sz="1800" dirty="0">
+                <a:solidFill>
+                  <a:schemeClr val="tx1"/>
+                </a:solidFill>
+              </a:rPr>
+              <a:t>The “::” specify which class the member function b is coming from.</a:t>
+            </a:r>
+          </a:p>
+          <a:p>
+            <a:pPr marL="342900" indent="-342900" algn="l">
+              <a:buClr>
+                <a:srgbClr val="0070C0"/>
+              </a:buClr>
+              <a:buSzPct val="80000"/>
+              <a:buFont typeface="Wingdings" pitchFamily="2" charset="2"/>
+              <a:buChar char="u"/>
+            </a:pPr>
+            <a:r>
+              <a:rPr lang="en-US" sz="1800" dirty="0">
+                <a:solidFill>
+                  <a:schemeClr val="tx1"/>
+                </a:solidFill>
+              </a:rPr>
+              <a:t>We can have same function name b in several classes. For example,</a:t>
+            </a:r>
+          </a:p>
+          <a:p>
+            <a:pPr marL="342900" indent="-342900" algn="l">
+              <a:buClr>
+                <a:srgbClr val="0070C0"/>
+              </a:buClr>
+              <a:buSzPct val="80000"/>
+              <a:buFont typeface="Wingdings" pitchFamily="2" charset="2"/>
+              <a:buChar char="u"/>
+            </a:pPr>
+            <a:r>
+              <a:rPr lang="en-US" sz="1800" dirty="0">
+                <a:solidFill>
+                  <a:schemeClr val="tx1"/>
+                </a:solidFill>
+              </a:rPr>
+              <a:t>&gt; a::b()</a:t>
+            </a:r>
+          </a:p>
+          <a:p>
+            <a:pPr marL="342900" indent="-342900" algn="l">
+              <a:buClr>
+                <a:srgbClr val="0070C0"/>
+              </a:buClr>
+              <a:buSzPct val="80000"/>
+              <a:buFont typeface="Wingdings" pitchFamily="2" charset="2"/>
+              <a:buChar char="u"/>
+            </a:pPr>
+            <a:r>
+              <a:rPr lang="en-US" sz="1800" dirty="0">
+                <a:solidFill>
+                  <a:schemeClr val="tx1"/>
+                </a:solidFill>
+              </a:rPr>
+              <a:t>&gt; tuna::b()</a:t>
+            </a:r>
+          </a:p>
+          <a:p>
+            <a:pPr marL="342900" indent="-342900" algn="l">
+              <a:buClr>
+                <a:srgbClr val="0070C0"/>
+              </a:buClr>
+              <a:buSzPct val="80000"/>
+              <a:buFont typeface="Wingdings" pitchFamily="2" charset="2"/>
+              <a:buChar char="u"/>
+            </a:pPr>
+            <a:r>
+              <a:rPr lang="en-US" sz="1800" dirty="0">
+                <a:solidFill>
+                  <a:schemeClr val="tx1"/>
+                </a:solidFill>
+              </a:rPr>
+              <a:t>&gt; bacon::b()</a:t>
+            </a:r>
+          </a:p>
+          <a:p>
+            <a:pPr marL="342900" indent="-342900" algn="l">
+              <a:buClr>
+                <a:srgbClr val="0070C0"/>
+              </a:buClr>
+              <a:buSzPct val="80000"/>
+              <a:buFont typeface="Wingdings" pitchFamily="2" charset="2"/>
+              <a:buChar char="u"/>
+            </a:pPr>
+            <a:r>
+              <a:rPr lang="en-US" sz="1800" dirty="0">
+                <a:solidFill>
+                  <a:schemeClr val="tx1"/>
+                </a:solidFill>
+              </a:rPr>
+              <a:t>Here, we have same function name b() in class a, class tuna, and class bacon.</a:t>
+            </a:r>
+          </a:p>
+          <a:p>
+            <a:pPr marL="342900" indent="-342900" algn="l">
+              <a:buClr>
+                <a:srgbClr val="0070C0"/>
+              </a:buClr>
+              <a:buSzPct val="80000"/>
+              <a:buFont typeface="Wingdings" pitchFamily="2" charset="2"/>
+              <a:buChar char="u"/>
+            </a:pPr>
+            <a:r>
+              <a:rPr lang="en-US" sz="1800" dirty="0">
+                <a:solidFill>
+                  <a:schemeClr val="tx1"/>
+                </a:solidFill>
+              </a:rPr>
+              <a:t>The double column (::) specify which class the member function coming from.</a:t>
+            </a:r>
+          </a:p>
+          <a:p>
+            <a:pPr marL="342900" indent="-342900" algn="l">
+              <a:buClr>
+                <a:srgbClr val="0070C0"/>
+              </a:buClr>
+              <a:buSzPct val="80000"/>
+              <a:buFont typeface="Wingdings" pitchFamily="2" charset="2"/>
+              <a:buChar char="u"/>
+            </a:pPr>
+            <a:r>
+              <a:rPr lang="en-US" sz="1800" dirty="0">
+                <a:solidFill>
+                  <a:schemeClr val="tx1"/>
+                </a:solidFill>
+              </a:rPr>
+              <a:t>If you have same function b() from classes, we use double column (::) to specify which classes that function b() is coming from.</a:t>
             </a:r>
           </a:p>
         </p:txBody>
@@ -4311,7 +5528,7 @@
             <a:fld id="{E4D7E63D-91F2-4366-A2C4-1B00C9E2590E}" type="slidenum">
               <a:rPr lang="zh-TW" altLang="en-US" smtClean="0"/>
               <a:pPr/>
-              <a:t>4</a:t>
+              <a:t>5</a:t>
             </a:fld>
             <a:endParaRPr lang="zh-TW" altLang="en-US"/>
           </a:p>
@@ -4330,7 +5547,7 @@
 </p:sld>
 </file>
 
-<file path=ppt/slides/slide5.xml><?xml version="1.0" encoding="utf-8"?>
+<file path=ppt/slides/slide6.xml><?xml version="1.0" encoding="utf-8"?>
 <p:sld xmlns:a="http://schemas.openxmlformats.org/drawingml/2006/main" xmlns:r="http://schemas.openxmlformats.org/officeDocument/2006/relationships" xmlns:p="http://schemas.openxmlformats.org/presentationml/2006/main">
   <p:cSld>
     <p:spTree>
@@ -4362,6 +5579,338 @@
             <a:off x="0" y="2130425"/>
             <a:ext cx="9144000" cy="1470025"/>
           </a:xfrm>
+          <a:solidFill>
+            <a:srgbClr val="00B0F0"/>
+          </a:solidFill>
+        </p:spPr>
+        <p:txBody>
+          <a:bodyPr>
+            <a:normAutofit/>
+          </a:bodyPr>
+          <a:lstStyle/>
+          <a:p>
+            <a:r>
+              <a:rPr lang="en-US" altLang="zh-TW" sz="4000" b="1" dirty="0">
+                <a:solidFill>
+                  <a:srgbClr val="FFFF00"/>
+                </a:solidFill>
+              </a:rPr>
+              <a:t>505.2 Dot (.) Operator</a:t>
+            </a:r>
+            <a:endParaRPr lang="zh-TW" altLang="en-US" sz="4000" b="1" dirty="0">
+              <a:solidFill>
+                <a:srgbClr val="FFFF00"/>
+              </a:solidFill>
+            </a:endParaRPr>
+          </a:p>
+        </p:txBody>
+      </p:sp>
+      <p:sp>
+        <p:nvSpPr>
+          <p:cNvPr id="5" name="日期版面配置區 4"/>
+          <p:cNvSpPr>
+            <a:spLocks noGrp="1"/>
+          </p:cNvSpPr>
+          <p:nvPr>
+            <p:ph type="dt" sz="half" idx="10"/>
+          </p:nvPr>
+        </p:nvSpPr>
+        <p:spPr/>
+        <p:txBody>
+          <a:bodyPr/>
+          <a:lstStyle/>
+          <a:p>
+            <a:fld id="{C389EDC9-19E3-47AC-9C57-C6A24DEA81AD}" type="datetime1">
+              <a:rPr lang="zh-TW" altLang="en-US" smtClean="0"/>
+              <a:pPr/>
+              <a:t>2022/10/31</a:t>
+            </a:fld>
+            <a:endParaRPr lang="zh-TW" altLang="en-US"/>
+          </a:p>
+        </p:txBody>
+      </p:sp>
+      <p:sp>
+        <p:nvSpPr>
+          <p:cNvPr id="6" name="投影片編號版面配置區 5"/>
+          <p:cNvSpPr>
+            <a:spLocks noGrp="1"/>
+          </p:cNvSpPr>
+          <p:nvPr>
+            <p:ph type="sldNum" sz="quarter" idx="12"/>
+          </p:nvPr>
+        </p:nvSpPr>
+        <p:spPr/>
+        <p:txBody>
+          <a:bodyPr/>
+          <a:lstStyle/>
+          <a:p>
+            <a:fld id="{E4D7E63D-91F2-4366-A2C4-1B00C9E2590E}" type="slidenum">
+              <a:rPr lang="zh-TW" altLang="en-US" smtClean="0"/>
+              <a:pPr/>
+              <a:t>6</a:t>
+            </a:fld>
+            <a:endParaRPr lang="zh-TW" altLang="en-US"/>
+          </a:p>
+        </p:txBody>
+      </p:sp>
+      <p:pic>
+        <p:nvPicPr>
+          <p:cNvPr id="1026" name="Picture 2" descr="Image result for Qt logo">
+            <a:extLst>
+              <a:ext uri="{FF2B5EF4-FFF2-40B4-BE49-F238E27FC236}">
+                <a16:creationId xmlns:a16="http://schemas.microsoft.com/office/drawing/2014/main" id="{5BB30E86-0076-AFE3-8108-81F5E04DE19B}"/>
+              </a:ext>
+            </a:extLst>
+          </p:cNvPr>
+          <p:cNvPicPr>
+            <a:picLocks noChangeAspect="1" noChangeArrowheads="1"/>
+          </p:cNvPicPr>
+          <p:nvPr/>
+        </p:nvPicPr>
+        <p:blipFill>
+          <a:blip r:embed="rId2">
+            <a:extLst>
+              <a:ext uri="{28A0092B-C50C-407E-A947-70E740481C1C}">
+                <a14:useLocalDpi xmlns:a14="http://schemas.microsoft.com/office/drawing/2010/main" val="0"/>
+              </a:ext>
+            </a:extLst>
+          </a:blip>
+          <a:srcRect/>
+          <a:stretch>
+            <a:fillRect/>
+          </a:stretch>
+        </p:blipFill>
+        <p:spPr bwMode="auto">
+          <a:xfrm>
+            <a:off x="3923928" y="3665344"/>
+            <a:ext cx="1296144" cy="950506"/>
+          </a:xfrm>
+          <a:prstGeom prst="rect">
+            <a:avLst/>
+          </a:prstGeom>
+          <a:noFill/>
+          <a:extLst>
+            <a:ext uri="{909E8E84-426E-40DD-AFC4-6F175D3DCCD1}">
+              <a14:hiddenFill xmlns:a14="http://schemas.microsoft.com/office/drawing/2010/main">
+                <a:solidFill>
+                  <a:srgbClr val="FFFFFF"/>
+                </a:solidFill>
+              </a14:hiddenFill>
+            </a:ext>
+          </a:extLst>
+        </p:spPr>
+      </p:pic>
+    </p:spTree>
+    <p:extLst>
+      <p:ext uri="{BB962C8B-B14F-4D97-AF65-F5344CB8AC3E}">
+        <p14:creationId xmlns:p14="http://schemas.microsoft.com/office/powerpoint/2010/main" val="1491160441"/>
+      </p:ext>
+    </p:extLst>
+  </p:cSld>
+  <p:clrMapOvr>
+    <a:masterClrMapping/>
+  </p:clrMapOvr>
+</p:sld>
+</file>
+
+<file path=ppt/slides/slide7.xml><?xml version="1.0" encoding="utf-8"?>
+<p:sld xmlns:a="http://schemas.openxmlformats.org/drawingml/2006/main" xmlns:r="http://schemas.openxmlformats.org/officeDocument/2006/relationships" xmlns:p="http://schemas.openxmlformats.org/presentationml/2006/main">
+  <p:cSld>
+    <p:spTree>
+      <p:nvGrpSpPr>
+        <p:cNvPr id="1" name=""/>
+        <p:cNvGrpSpPr/>
+        <p:nvPr/>
+      </p:nvGrpSpPr>
+      <p:grpSpPr>
+        <a:xfrm>
+          <a:off x="0" y="0"/>
+          <a:ext cx="0" cy="0"/>
+          <a:chOff x="0" y="0"/>
+          <a:chExt cx="0" cy="0"/>
+        </a:xfrm>
+      </p:grpSpPr>
+      <p:sp>
+        <p:nvSpPr>
+          <p:cNvPr id="2" name="標題 1"/>
+          <p:cNvSpPr>
+            <a:spLocks noGrp="1"/>
+          </p:cNvSpPr>
+          <p:nvPr>
+            <p:ph type="ctrTitle"/>
+          </p:nvPr>
+        </p:nvSpPr>
+        <p:spPr>
+          <a:xfrm>
+            <a:off x="0" y="1"/>
+            <a:ext cx="9144000" cy="764704"/>
+          </a:xfrm>
+          <a:gradFill flip="none" rotWithShape="1">
+            <a:gsLst>
+              <a:gs pos="0">
+                <a:srgbClr val="C00000">
+                  <a:shade val="30000"/>
+                  <a:satMod val="115000"/>
+                </a:srgbClr>
+              </a:gs>
+              <a:gs pos="50000">
+                <a:srgbClr val="C00000">
+                  <a:shade val="67500"/>
+                  <a:satMod val="115000"/>
+                </a:srgbClr>
+              </a:gs>
+              <a:gs pos="100000">
+                <a:srgbClr val="C00000">
+                  <a:shade val="100000"/>
+                  <a:satMod val="115000"/>
+                </a:srgbClr>
+              </a:gs>
+            </a:gsLst>
+            <a:path path="circle">
+              <a:fillToRect t="100000" r="100000"/>
+            </a:path>
+            <a:tileRect l="-100000" b="-100000"/>
+          </a:gradFill>
+        </p:spPr>
+        <p:txBody>
+          <a:bodyPr>
+            <a:normAutofit/>
+          </a:bodyPr>
+          <a:lstStyle/>
+          <a:p>
+            <a:pPr algn="l"/>
+            <a:r>
+              <a:rPr lang="en-US" altLang="zh-TW" sz="4000" b="1" dirty="0">
+                <a:solidFill>
+                  <a:srgbClr val="FFFF00"/>
+                </a:solidFill>
+              </a:rPr>
+              <a:t>505.2 Dot (.) Operator</a:t>
+            </a:r>
+            <a:endParaRPr lang="zh-TW" altLang="en-US" sz="4000" b="1" dirty="0">
+              <a:solidFill>
+                <a:srgbClr val="FFFF00"/>
+              </a:solidFill>
+            </a:endParaRPr>
+          </a:p>
+        </p:txBody>
+      </p:sp>
+      <p:sp>
+        <p:nvSpPr>
+          <p:cNvPr id="3" name="副標題 2"/>
+          <p:cNvSpPr>
+            <a:spLocks noGrp="1"/>
+          </p:cNvSpPr>
+          <p:nvPr>
+            <p:ph type="subTitle" idx="1"/>
+          </p:nvPr>
+        </p:nvSpPr>
+        <p:spPr>
+          <a:xfrm>
+            <a:off x="438024" y="1250427"/>
+            <a:ext cx="7806383" cy="2178573"/>
+          </a:xfrm>
+          <a:ln>
+            <a:solidFill>
+              <a:srgbClr val="C00000"/>
+            </a:solidFill>
+          </a:ln>
+        </p:spPr>
+        <p:txBody>
+          <a:bodyPr>
+            <a:noAutofit/>
+          </a:bodyPr>
+          <a:lstStyle/>
+          <a:p>
+            <a:pPr marL="342900" indent="-342900" algn="l">
+              <a:buClr>
+                <a:srgbClr val="0070C0"/>
+              </a:buClr>
+              <a:buSzPct val="80000"/>
+              <a:buFont typeface="Wingdings" pitchFamily="2" charset="2"/>
+              <a:buChar char="u"/>
+            </a:pPr>
+            <a:r>
+              <a:rPr lang="en-US" sz="1800" b="1" dirty="0">
+                <a:solidFill>
+                  <a:schemeClr val="tx1"/>
+                </a:solidFill>
+              </a:rPr>
+              <a:t>Dot (.) Operator</a:t>
+            </a:r>
+          </a:p>
+          <a:p>
+            <a:pPr marL="342900" indent="-342900" algn="l">
+              <a:buClr>
+                <a:srgbClr val="0070C0"/>
+              </a:buClr>
+              <a:buSzPct val="80000"/>
+              <a:buFont typeface="Wingdings" pitchFamily="2" charset="2"/>
+              <a:buChar char="u"/>
+            </a:pPr>
+            <a:r>
+              <a:rPr lang="en-US" sz="1800" dirty="0">
+                <a:solidFill>
+                  <a:schemeClr val="tx1"/>
+                </a:solidFill>
+              </a:rPr>
+              <a:t>Now, the dot (.) operator, such as, a.b() or tuna.b(), is the most common one that we use before, whenever tuna is an object and b is the member function of that object.</a:t>
+            </a:r>
+          </a:p>
+          <a:p>
+            <a:pPr marL="342900" indent="-342900" algn="l">
+              <a:buClr>
+                <a:srgbClr val="0070C0"/>
+              </a:buClr>
+              <a:buSzPct val="80000"/>
+              <a:buFont typeface="Wingdings" pitchFamily="2" charset="2"/>
+              <a:buChar char="u"/>
+            </a:pPr>
+            <a:r>
+              <a:rPr lang="en-US" sz="1800" dirty="0">
+                <a:solidFill>
+                  <a:schemeClr val="tx1"/>
+                </a:solidFill>
+              </a:rPr>
+              <a:t>The dot (.) operator allows you to use the member function of that object.</a:t>
+            </a:r>
+          </a:p>
+          <a:p>
+            <a:pPr marL="342900" indent="-342900" algn="l">
+              <a:buClr>
+                <a:srgbClr val="0070C0"/>
+              </a:buClr>
+              <a:buSzPct val="80000"/>
+              <a:buFont typeface="Wingdings" pitchFamily="2" charset="2"/>
+              <a:buChar char="u"/>
+            </a:pPr>
+            <a:r>
+              <a:rPr lang="en-US" sz="1800" dirty="0">
+                <a:solidFill>
+                  <a:schemeClr val="tx1"/>
+                </a:solidFill>
+              </a:rPr>
+              <a:t>The dot (.) operator is the same as c++ syntax for object to access the member function.</a:t>
+            </a:r>
+          </a:p>
+        </p:txBody>
+      </p:sp>
+      <p:sp>
+        <p:nvSpPr>
+          <p:cNvPr id="4" name="標題 1"/>
+          <p:cNvSpPr txBox="1">
+            <a:spLocks/>
+          </p:cNvSpPr>
+          <p:nvPr/>
+        </p:nvSpPr>
+        <p:spPr>
+          <a:xfrm>
+            <a:off x="0" y="764704"/>
+            <a:ext cx="9144000" cy="360040"/>
+          </a:xfrm>
+          <a:prstGeom prst="rect">
+            <a:avLst/>
+          </a:prstGeom>
           <a:gradFill flip="none" rotWithShape="1">
             <a:gsLst>
               <a:gs pos="0">
@@ -4390,23 +5939,33 @@
           </a:gradFill>
         </p:spPr>
         <p:txBody>
-          <a:bodyPr>
+          <a:bodyPr vert="horz" lIns="91440" tIns="45720" rIns="91440" bIns="45720" rtlCol="0" anchor="ctr">
             <a:normAutofit/>
           </a:bodyPr>
           <a:lstStyle/>
           <a:p>
-            <a:r>
-              <a:rPr lang="en-US" altLang="zh-TW" sz="6000" b="1">
-                <a:solidFill>
-                  <a:srgbClr val="FFFF00"/>
-                </a:solidFill>
-              </a:rPr>
-              <a:t>End</a:t>
-            </a:r>
-            <a:endParaRPr lang="zh-TW" altLang="en-US" sz="6000" b="1" dirty="0">
+            <a:pPr lvl="0">
+              <a:spcBef>
+                <a:spcPct val="0"/>
+              </a:spcBef>
+            </a:pPr>
+            <a:r>
+              <a:rPr lang="en-US" sz="1600" dirty="0"/>
+              <a:t>https://www.youtube.com/watch?v=ufnA4UOKAFE&amp;list=PLD0D54219E5F2544D&amp;index=5</a:t>
+            </a:r>
+            <a:endParaRPr kumimoji="0" lang="zh-TW" altLang="en-US" sz="1600" b="0" i="0" u="none" strike="noStrike" kern="1200" cap="none" spc="0" normalizeH="0" baseline="0" noProof="0" dirty="0">
+              <a:ln>
+                <a:noFill/>
+              </a:ln>
               <a:solidFill>
-                <a:srgbClr val="FFFF00"/>
+                <a:schemeClr val="tx1"/>
               </a:solidFill>
+              <a:effectLst/>
+              <a:uLnTx/>
+              <a:uFillTx/>
+              <a:latin typeface="+mj-lt"/>
+              <a:ea typeface="+mj-ea"/>
+              <a:cs typeface="+mj-cs"/>
             </a:endParaRPr>
           </a:p>
         </p:txBody>
@@ -4426,7 +5985,7 @@
           <a:bodyPr/>
           <a:lstStyle/>
           <a:p>
-            <a:fld id="{4E46BE27-E923-4EC2-B046-3272AE2A3E5C}" type="datetime1">
+            <a:fld id="{A4F910E6-8D00-4BAF-8C48-9688E0B449D3}" type="datetime1">
               <a:rPr lang="zh-TW" altLang="en-US" smtClean="0"/>
               <a:pPr/>
               <a:t>2022/10/31</a:t>
@@ -4453,13 +6012,646 @@
             <a:fld id="{E4D7E63D-91F2-4366-A2C4-1B00C9E2590E}" type="slidenum">
               <a:rPr lang="zh-TW" altLang="en-US" smtClean="0"/>
               <a:pPr/>
-              <a:t>5</a:t>
+              <a:t>7</a:t>
             </a:fld>
             <a:endParaRPr lang="zh-TW" altLang="en-US"/>
           </a:p>
         </p:txBody>
       </p:sp>
     </p:spTree>
+    <p:extLst>
+      <p:ext uri="{BB962C8B-B14F-4D97-AF65-F5344CB8AC3E}">
+        <p14:creationId xmlns:p14="http://schemas.microsoft.com/office/powerpoint/2010/main" val="3679385683"/>
+      </p:ext>
+    </p:extLst>
+  </p:cSld>
+  <p:clrMapOvr>
+    <a:masterClrMapping/>
+  </p:clrMapOvr>
+</p:sld>
+</file>
+
+<file path=ppt/slides/slide8.xml><?xml version="1.0" encoding="utf-8"?>
+<p:sld xmlns:a="http://schemas.openxmlformats.org/drawingml/2006/main" xmlns:r="http://schemas.openxmlformats.org/officeDocument/2006/relationships" xmlns:p="http://schemas.openxmlformats.org/presentationml/2006/main">
+  <p:cSld>
+    <p:spTree>
+      <p:nvGrpSpPr>
+        <p:cNvPr id="1" name=""/>
+        <p:cNvGrpSpPr/>
+        <p:nvPr/>
+      </p:nvGrpSpPr>
+      <p:grpSpPr>
+        <a:xfrm>
+          <a:off x="0" y="0"/>
+          <a:ext cx="0" cy="0"/>
+          <a:chOff x="0" y="0"/>
+          <a:chExt cx="0" cy="0"/>
+        </a:xfrm>
+      </p:grpSpPr>
+      <p:sp>
+        <p:nvSpPr>
+          <p:cNvPr id="2" name="標題 1"/>
+          <p:cNvSpPr>
+            <a:spLocks noGrp="1"/>
+          </p:cNvSpPr>
+          <p:nvPr>
+            <p:ph type="ctrTitle"/>
+          </p:nvPr>
+        </p:nvSpPr>
+        <p:spPr>
+          <a:xfrm>
+            <a:off x="0" y="2130425"/>
+            <a:ext cx="9144000" cy="1470025"/>
+          </a:xfrm>
+          <a:solidFill>
+            <a:srgbClr val="00B0F0"/>
+          </a:solidFill>
+        </p:spPr>
+        <p:txBody>
+          <a:bodyPr>
+            <a:normAutofit/>
+          </a:bodyPr>
+          <a:lstStyle/>
+          <a:p>
+            <a:r>
+              <a:rPr lang="en-US" altLang="zh-TW" sz="4000" b="1" dirty="0">
+                <a:solidFill>
+                  <a:srgbClr val="FFFF00"/>
+                </a:solidFill>
+              </a:rPr>
+              <a:t>505.3 Arrow (-&gt;) Operator</a:t>
+            </a:r>
+            <a:endParaRPr lang="zh-TW" altLang="en-US" sz="4000" b="1" dirty="0">
+              <a:solidFill>
+                <a:srgbClr val="FFFF00"/>
+              </a:solidFill>
+            </a:endParaRPr>
+          </a:p>
+        </p:txBody>
+      </p:sp>
+      <p:sp>
+        <p:nvSpPr>
+          <p:cNvPr id="5" name="日期版面配置區 4"/>
+          <p:cNvSpPr>
+            <a:spLocks noGrp="1"/>
+          </p:cNvSpPr>
+          <p:nvPr>
+            <p:ph type="dt" sz="half" idx="10"/>
+          </p:nvPr>
+        </p:nvSpPr>
+        <p:spPr/>
+        <p:txBody>
+          <a:bodyPr/>
+          <a:lstStyle/>
+          <a:p>
+            <a:fld id="{C389EDC9-19E3-47AC-9C57-C6A24DEA81AD}" type="datetime1">
+              <a:rPr lang="zh-TW" altLang="en-US" smtClean="0"/>
+              <a:pPr/>
+              <a:t>2022/10/31</a:t>
+            </a:fld>
+            <a:endParaRPr lang="zh-TW" altLang="en-US"/>
+          </a:p>
+        </p:txBody>
+      </p:sp>
+      <p:sp>
+        <p:nvSpPr>
+          <p:cNvPr id="6" name="投影片編號版面配置區 5"/>
+          <p:cNvSpPr>
+            <a:spLocks noGrp="1"/>
+          </p:cNvSpPr>
+          <p:nvPr>
+            <p:ph type="sldNum" sz="quarter" idx="12"/>
+          </p:nvPr>
+        </p:nvSpPr>
+        <p:spPr/>
+        <p:txBody>
+          <a:bodyPr/>
+          <a:lstStyle/>
+          <a:p>
+            <a:fld id="{E4D7E63D-91F2-4366-A2C4-1B00C9E2590E}" type="slidenum">
+              <a:rPr lang="zh-TW" altLang="en-US" smtClean="0"/>
+              <a:pPr/>
+              <a:t>8</a:t>
+            </a:fld>
+            <a:endParaRPr lang="zh-TW" altLang="en-US"/>
+          </a:p>
+        </p:txBody>
+      </p:sp>
+      <p:pic>
+        <p:nvPicPr>
+          <p:cNvPr id="1026" name="Picture 2" descr="Image result for Qt logo">
+            <a:extLst>
+              <a:ext uri="{FF2B5EF4-FFF2-40B4-BE49-F238E27FC236}">
+                <a16:creationId xmlns:a16="http://schemas.microsoft.com/office/drawing/2014/main" id="{5BB30E86-0076-AFE3-8108-81F5E04DE19B}"/>
+              </a:ext>
+            </a:extLst>
+          </p:cNvPr>
+          <p:cNvPicPr>
+            <a:picLocks noChangeAspect="1" noChangeArrowheads="1"/>
+          </p:cNvPicPr>
+          <p:nvPr/>
+        </p:nvPicPr>
+        <p:blipFill>
+          <a:blip r:embed="rId2">
+            <a:extLst>
+              <a:ext uri="{28A0092B-C50C-407E-A947-70E740481C1C}">
+                <a14:useLocalDpi xmlns:a14="http://schemas.microsoft.com/office/drawing/2010/main" val="0"/>
+              </a:ext>
+            </a:extLst>
+          </a:blip>
+          <a:srcRect/>
+          <a:stretch>
+            <a:fillRect/>
+          </a:stretch>
+        </p:blipFill>
+        <p:spPr bwMode="auto">
+          <a:xfrm>
+            <a:off x="3923928" y="3665344"/>
+            <a:ext cx="1296144" cy="950506"/>
+          </a:xfrm>
+          <a:prstGeom prst="rect">
+            <a:avLst/>
+          </a:prstGeom>
+          <a:noFill/>
+          <a:extLst>
+            <a:ext uri="{909E8E84-426E-40DD-AFC4-6F175D3DCCD1}">
+              <a14:hiddenFill xmlns:a14="http://schemas.microsoft.com/office/drawing/2010/main">
+                <a:solidFill>
+                  <a:srgbClr val="FFFFFF"/>
+                </a:solidFill>
+              </a14:hiddenFill>
+            </a:ext>
+          </a:extLst>
+        </p:spPr>
+      </p:pic>
+    </p:spTree>
+    <p:extLst>
+      <p:ext uri="{BB962C8B-B14F-4D97-AF65-F5344CB8AC3E}">
+        <p14:creationId xmlns:p14="http://schemas.microsoft.com/office/powerpoint/2010/main" val="3276757087"/>
+      </p:ext>
+    </p:extLst>
+  </p:cSld>
+  <p:clrMapOvr>
+    <a:masterClrMapping/>
+  </p:clrMapOvr>
+</p:sld>
+</file>
+
+<file path=ppt/slides/slide9.xml><?xml version="1.0" encoding="utf-8"?>
+<p:sld xmlns:a="http://schemas.openxmlformats.org/drawingml/2006/main" xmlns:r="http://schemas.openxmlformats.org/officeDocument/2006/relationships" xmlns:p="http://schemas.openxmlformats.org/presentationml/2006/main">
+  <p:cSld>
+    <p:spTree>
+      <p:nvGrpSpPr>
+        <p:cNvPr id="1" name=""/>
+        <p:cNvGrpSpPr/>
+        <p:nvPr/>
+      </p:nvGrpSpPr>
+      <p:grpSpPr>
+        <a:xfrm>
+          <a:off x="0" y="0"/>
+          <a:ext cx="0" cy="0"/>
+          <a:chOff x="0" y="0"/>
+          <a:chExt cx="0" cy="0"/>
+        </a:xfrm>
+      </p:grpSpPr>
+      <p:sp>
+        <p:nvSpPr>
+          <p:cNvPr id="2" name="標題 1"/>
+          <p:cNvSpPr>
+            <a:spLocks noGrp="1"/>
+          </p:cNvSpPr>
+          <p:nvPr>
+            <p:ph type="ctrTitle"/>
+          </p:nvPr>
+        </p:nvSpPr>
+        <p:spPr>
+          <a:xfrm>
+            <a:off x="0" y="1"/>
+            <a:ext cx="9144000" cy="764704"/>
+          </a:xfrm>
+          <a:gradFill flip="none" rotWithShape="1">
+            <a:gsLst>
+              <a:gs pos="0">
+                <a:srgbClr val="C00000">
+                  <a:shade val="30000"/>
+                  <a:satMod val="115000"/>
+                </a:srgbClr>
+              </a:gs>
+              <a:gs pos="50000">
+                <a:srgbClr val="C00000">
+                  <a:shade val="67500"/>
+                  <a:satMod val="115000"/>
+                </a:srgbClr>
+              </a:gs>
+              <a:gs pos="100000">
+                <a:srgbClr val="C00000">
+                  <a:shade val="100000"/>
+                  <a:satMod val="115000"/>
+                </a:srgbClr>
+              </a:gs>
+            </a:gsLst>
+            <a:path path="circle">
+              <a:fillToRect t="100000" r="100000"/>
+            </a:path>
+            <a:tileRect l="-100000" b="-100000"/>
+          </a:gradFill>
+        </p:spPr>
+        <p:txBody>
+          <a:bodyPr>
+            <a:normAutofit/>
+          </a:bodyPr>
+          <a:lstStyle/>
+          <a:p>
+            <a:pPr algn="l"/>
+            <a:r>
+              <a:rPr lang="en-US" altLang="zh-TW" sz="4000" b="1" dirty="0">
+                <a:solidFill>
+                  <a:srgbClr val="FFFF00"/>
+                </a:solidFill>
+              </a:rPr>
+              <a:t>505.3 Arrow (-&gt;) Operator</a:t>
+            </a:r>
+            <a:endParaRPr lang="zh-TW" altLang="en-US" sz="4000" b="1" dirty="0">
+              <a:solidFill>
+                <a:srgbClr val="FFFF00"/>
+              </a:solidFill>
+            </a:endParaRPr>
+          </a:p>
+        </p:txBody>
+      </p:sp>
+      <p:sp>
+        <p:nvSpPr>
+          <p:cNvPr id="3" name="副標題 2"/>
+          <p:cNvSpPr>
+            <a:spLocks noGrp="1"/>
+          </p:cNvSpPr>
+          <p:nvPr>
+            <p:ph type="subTitle" idx="1"/>
+          </p:nvPr>
+        </p:nvSpPr>
+        <p:spPr>
+          <a:xfrm>
+            <a:off x="438024" y="1250427"/>
+            <a:ext cx="7806383" cy="4745884"/>
+          </a:xfrm>
+          <a:ln>
+            <a:solidFill>
+              <a:srgbClr val="C00000"/>
+            </a:solidFill>
+          </a:ln>
+        </p:spPr>
+        <p:txBody>
+          <a:bodyPr>
+            <a:noAutofit/>
+          </a:bodyPr>
+          <a:lstStyle/>
+          <a:p>
+            <a:pPr marL="342900" indent="-342900" algn="l">
+              <a:buClr>
+                <a:srgbClr val="0070C0"/>
+              </a:buClr>
+              <a:buSzPct val="80000"/>
+              <a:buFont typeface="Wingdings" pitchFamily="2" charset="2"/>
+              <a:buChar char="u"/>
+            </a:pPr>
+            <a:r>
+              <a:rPr lang="en-US" sz="1800" b="1" dirty="0">
+                <a:solidFill>
+                  <a:schemeClr val="tx1"/>
+                </a:solidFill>
+              </a:rPr>
+              <a:t>Arrow (-&gt;) Operator</a:t>
+            </a:r>
+          </a:p>
+          <a:p>
+            <a:pPr marL="342900" indent="-342900" algn="l">
+              <a:buClr>
+                <a:srgbClr val="0070C0"/>
+              </a:buClr>
+              <a:buSzPct val="80000"/>
+              <a:buFont typeface="Wingdings" pitchFamily="2" charset="2"/>
+              <a:buChar char="u"/>
+            </a:pPr>
+            <a:r>
+              <a:rPr lang="en-US" sz="1800" dirty="0">
+                <a:solidFill>
+                  <a:schemeClr val="tx1"/>
+                </a:solidFill>
+              </a:rPr>
+              <a:t>If we create an object use a pointer to point to the created label object.</a:t>
+            </a:r>
+          </a:p>
+          <a:p>
+            <a:pPr marL="342900" indent="-342900" algn="l">
+              <a:buClr>
+                <a:srgbClr val="0070C0"/>
+              </a:buClr>
+              <a:buSzPct val="80000"/>
+              <a:buFont typeface="Wingdings" pitchFamily="2" charset="2"/>
+              <a:buChar char="u"/>
+            </a:pPr>
+            <a:r>
+              <a:rPr lang="en-US" sz="1800" dirty="0">
+                <a:solidFill>
+                  <a:schemeClr val="tx1"/>
+                </a:solidFill>
+              </a:rPr>
+              <a:t>&gt; QLabel *label = new QLabel (“Gametime!”);</a:t>
+            </a:r>
+          </a:p>
+          <a:p>
+            <a:pPr marL="342900" indent="-342900" algn="l">
+              <a:buClr>
+                <a:srgbClr val="0070C0"/>
+              </a:buClr>
+              <a:buSzPct val="80000"/>
+              <a:buFont typeface="Wingdings" pitchFamily="2" charset="2"/>
+              <a:buChar char="u"/>
+            </a:pPr>
+            <a:r>
+              <a:rPr lang="en-US" sz="1800" dirty="0">
+                <a:solidFill>
+                  <a:schemeClr val="tx1"/>
+                </a:solidFill>
+              </a:rPr>
+              <a:t>A “pointer to created object” and an “object” are two very different things.</a:t>
+            </a:r>
+          </a:p>
+          <a:p>
+            <a:pPr marL="342900" indent="-342900" algn="l">
+              <a:buClr>
+                <a:srgbClr val="0070C0"/>
+              </a:buClr>
+              <a:buSzPct val="80000"/>
+              <a:buFont typeface="Wingdings" pitchFamily="2" charset="2"/>
+              <a:buChar char="u"/>
+            </a:pPr>
+            <a:r>
+              <a:rPr lang="en-US" sz="1800" dirty="0">
+                <a:solidFill>
+                  <a:schemeClr val="tx1"/>
+                </a:solidFill>
+              </a:rPr>
+              <a:t>Because the asterisk (*label) indicate that is pointer to object label.</a:t>
+            </a:r>
+          </a:p>
+          <a:p>
+            <a:pPr marL="342900" indent="-342900" algn="l">
+              <a:buClr>
+                <a:srgbClr val="0070C0"/>
+              </a:buClr>
+              <a:buSzPct val="80000"/>
+              <a:buFont typeface="Wingdings" pitchFamily="2" charset="2"/>
+              <a:buChar char="u"/>
+            </a:pPr>
+            <a:r>
+              <a:rPr lang="en-US" sz="1800" dirty="0">
+                <a:solidFill>
+                  <a:schemeClr val="tx1"/>
+                </a:solidFill>
+              </a:rPr>
+              <a:t>&gt; a-&gt;b</a:t>
+            </a:r>
+          </a:p>
+          <a:p>
+            <a:pPr marL="342900" indent="-342900" algn="l">
+              <a:buClr>
+                <a:srgbClr val="0070C0"/>
+              </a:buClr>
+              <a:buSzPct val="80000"/>
+              <a:buFont typeface="Wingdings" pitchFamily="2" charset="2"/>
+              <a:buChar char="u"/>
+            </a:pPr>
+            <a:r>
+              <a:rPr lang="en-US" sz="1800" dirty="0">
+                <a:solidFill>
+                  <a:schemeClr val="tx1"/>
+                </a:solidFill>
+              </a:rPr>
+              <a:t> is exactly same thing as </a:t>
+            </a:r>
+          </a:p>
+          <a:p>
+            <a:pPr marL="342900" indent="-342900" algn="l">
+              <a:buClr>
+                <a:srgbClr val="0070C0"/>
+              </a:buClr>
+              <a:buSzPct val="80000"/>
+              <a:buFont typeface="Wingdings" pitchFamily="2" charset="2"/>
+              <a:buChar char="u"/>
+            </a:pPr>
+            <a:r>
+              <a:rPr lang="en-US" sz="1800" dirty="0">
+                <a:solidFill>
+                  <a:schemeClr val="tx1"/>
+                </a:solidFill>
+              </a:rPr>
+              <a:t>&gt; (*a).b</a:t>
+            </a:r>
+          </a:p>
+          <a:p>
+            <a:pPr marL="342900" indent="-342900" algn="l">
+              <a:buClr>
+                <a:srgbClr val="0070C0"/>
+              </a:buClr>
+              <a:buSzPct val="80000"/>
+              <a:buFont typeface="Wingdings" pitchFamily="2" charset="2"/>
+              <a:buChar char="u"/>
+            </a:pPr>
+            <a:r>
+              <a:rPr lang="en-US" sz="1800" dirty="0">
+                <a:solidFill>
+                  <a:schemeClr val="tx1"/>
+                </a:solidFill>
+              </a:rPr>
+              <a:t>This means that we want to use member function  b from class pointer a. </a:t>
+            </a:r>
+          </a:p>
+          <a:p>
+            <a:pPr marL="342900" indent="-342900" algn="l">
+              <a:buClr>
+                <a:srgbClr val="0070C0"/>
+              </a:buClr>
+              <a:buSzPct val="80000"/>
+              <a:buFont typeface="Wingdings" pitchFamily="2" charset="2"/>
+              <a:buChar char="u"/>
+            </a:pPr>
+            <a:r>
+              <a:rPr lang="en-US" sz="1800" dirty="0">
+                <a:solidFill>
+                  <a:schemeClr val="tx1"/>
+                </a:solidFill>
+              </a:rPr>
+              <a:t>This is the same syntax as c++ which uses “a-&gt;b” or “(*a).b” for pointer of object a to member function b.</a:t>
+            </a:r>
+          </a:p>
+          <a:p>
+            <a:pPr marL="342900" indent="-342900" algn="l">
+              <a:buClr>
+                <a:srgbClr val="0070C0"/>
+              </a:buClr>
+              <a:buSzPct val="80000"/>
+              <a:buFont typeface="Wingdings" pitchFamily="2" charset="2"/>
+              <a:buChar char="u"/>
+            </a:pPr>
+            <a:r>
+              <a:rPr lang="en-US" sz="1800" dirty="0">
+                <a:solidFill>
+                  <a:schemeClr val="tx1"/>
+                </a:solidFill>
+              </a:rPr>
+              <a:t>So, dot (.) operator is used to access member function in object and arrow (-&gt;) operator is used to access member function in pointer of class.</a:t>
+            </a:r>
+          </a:p>
+          <a:p>
+            <a:pPr marL="342900" indent="-342900" algn="l">
+              <a:buClr>
+                <a:srgbClr val="0070C0"/>
+              </a:buClr>
+              <a:buSzPct val="80000"/>
+              <a:buFont typeface="Wingdings" pitchFamily="2" charset="2"/>
+              <a:buChar char="u"/>
+            </a:pPr>
+            <a:r>
+              <a:rPr lang="en-US" sz="1800" dirty="0">
+                <a:solidFill>
+                  <a:schemeClr val="tx1"/>
+                </a:solidFill>
+              </a:rPr>
+              <a:t>The arrow (-&gt;) is used to de-reference the address of object to access the member function. </a:t>
+            </a:r>
+          </a:p>
+        </p:txBody>
+      </p:sp>
+      <p:sp>
+        <p:nvSpPr>
+          <p:cNvPr id="4" name="標題 1"/>
+          <p:cNvSpPr txBox="1">
+            <a:spLocks/>
+          </p:cNvSpPr>
+          <p:nvPr/>
+        </p:nvSpPr>
+        <p:spPr>
+          <a:xfrm>
+            <a:off x="0" y="764704"/>
+            <a:ext cx="9144000" cy="360040"/>
+          </a:xfrm>
+          <a:prstGeom prst="rect">
+            <a:avLst/>
+          </a:prstGeom>
+          <a:gradFill flip="none" rotWithShape="1">
+            <a:gsLst>
+              <a:gs pos="0">
+                <a:srgbClr val="00B0F0">
+                  <a:shade val="30000"/>
+                  <a:satMod val="115000"/>
+                </a:srgbClr>
+              </a:gs>
+              <a:gs pos="50000">
+                <a:srgbClr val="00B0F0">
+                  <a:shade val="67500"/>
+                  <a:satMod val="115000"/>
+                </a:srgbClr>
+              </a:gs>
+              <a:gs pos="100000">
+                <a:srgbClr val="00B0F0">
+                  <a:shade val="100000"/>
+                  <a:satMod val="115000"/>
+                </a:srgbClr>
+              </a:gs>
+            </a:gsLst>
+            <a:path path="circle">
+              <a:fillToRect t="100000" r="100000"/>
+            </a:path>
+            <a:tileRect l="-100000" b="-100000"/>
+          </a:gradFill>
+        </p:spPr>
+        <p:txBody>
+          <a:bodyPr vert="horz" lIns="91440" tIns="45720" rIns="91440" bIns="45720" rtlCol="0" anchor="ctr">
+            <a:normAutofit/>
+          </a:bodyPr>
+          <a:lstStyle/>
+          <a:p>
+            <a:pPr lvl="0">
+              <a:spcBef>
+                <a:spcPct val="0"/>
+              </a:spcBef>
+            </a:pPr>
+            <a:r>
+              <a:rPr lang="en-US" sz="1600" dirty="0"/>
+              <a:t>https://www.youtube.com/watch?v=ufnA4UOKAFE&amp;list=PLD0D54219E5F2544D&amp;index=5</a:t>
+            </a:r>
+            <a:endParaRPr kumimoji="0" lang="zh-TW" altLang="en-US" sz="1600" b="0" i="0" u="none" strike="noStrike" kern="1200" cap="none" spc="0" normalizeH="0" baseline="0" noProof="0" dirty="0">
+              <a:ln>
+                <a:noFill/>
+              </a:ln>
+              <a:solidFill>
+                <a:schemeClr val="tx1"/>
+              </a:solidFill>
+              <a:effectLst/>
+              <a:uLnTx/>
+              <a:uFillTx/>
+              <a:latin typeface="+mj-lt"/>
+              <a:ea typeface="+mj-ea"/>
+              <a:cs typeface="+mj-cs"/>
+            </a:endParaRPr>
+          </a:p>
+        </p:txBody>
+      </p:sp>
+      <p:sp>
+        <p:nvSpPr>
+          <p:cNvPr id="5" name="日期版面配置區 4"/>
+          <p:cNvSpPr>
+            <a:spLocks noGrp="1"/>
+          </p:cNvSpPr>
+          <p:nvPr>
+            <p:ph type="dt" sz="half" idx="10"/>
+          </p:nvPr>
+        </p:nvSpPr>
+        <p:spPr/>
+        <p:txBody>
+          <a:bodyPr/>
+          <a:lstStyle/>
+          <a:p>
+            <a:fld id="{A4F910E6-8D00-4BAF-8C48-9688E0B449D3}" type="datetime1">
+              <a:rPr lang="zh-TW" altLang="en-US" smtClean="0"/>
+              <a:pPr/>
+              <a:t>2022/10/31</a:t>
+            </a:fld>
+            <a:endParaRPr lang="zh-TW" altLang="en-US"/>
+          </a:p>
+        </p:txBody>
+      </p:sp>
+      <p:sp>
+        <p:nvSpPr>
+          <p:cNvPr id="6" name="投影片編號版面配置區 5"/>
+          <p:cNvSpPr>
+            <a:spLocks noGrp="1"/>
+          </p:cNvSpPr>
+          <p:nvPr>
+            <p:ph type="sldNum" sz="quarter" idx="12"/>
+          </p:nvPr>
+        </p:nvSpPr>
+        <p:spPr/>
+        <p:txBody>
+          <a:bodyPr/>
+          <a:lstStyle/>
+          <a:p>
+            <a:fld id="{E4D7E63D-91F2-4366-A2C4-1B00C9E2590E}" type="slidenum">
+              <a:rPr lang="zh-TW" altLang="en-US" smtClean="0"/>
+              <a:pPr/>
+              <a:t>9</a:t>
+            </a:fld>
+            <a:endParaRPr lang="zh-TW" altLang="en-US"/>
+          </a:p>
+        </p:txBody>
+      </p:sp>
+    </p:spTree>
+    <p:extLst>
+      <p:ext uri="{BB962C8B-B14F-4D97-AF65-F5344CB8AC3E}">
+        <p14:creationId xmlns:p14="http://schemas.microsoft.com/office/powerpoint/2010/main" val="2548851809"/>
+      </p:ext>
+    </p:extLst>
   </p:cSld>
   <p:clrMapOvr>
     <a:masterClrMapping/>

--- a/505_Operator_Difference.pptx
+++ b/505_Operator_Difference.pptx
@@ -4959,15 +4959,7 @@
                   <a:srgbClr val="FFFF00"/>
                 </a:solidFill>
               </a:rPr>
-              <a:t>505.1 Double Columns (::) </a:t>
-            </a:r>
-            <a:r>
-              <a:rPr lang="en-US" altLang="zh-TW" sz="4000" b="1" dirty="0" err="1">
-                <a:solidFill>
-                  <a:srgbClr val="FFFF00"/>
-                </a:solidFill>
-              </a:rPr>
-              <a:t>Opeator</a:t>
+              <a:t>505.1 Double Columns (::) Operator</a:t>
             </a:r>
             <a:endParaRPr lang="zh-TW" altLang="en-US" sz="4000" b="1" dirty="0">
               <a:solidFill>

--- a/505_Operator_Difference.pptx
+++ b/505_Operator_Difference.pptx
@@ -4254,7 +4254,7 @@
                   <a:schemeClr val="tx1"/>
                 </a:solidFill>
               </a:rPr>
-              <a:t>We are wondering why we need the arrow in “-&gt;” in “label-&gt;show();”  instead of “.” separator in “label.show();” </a:t>
+              <a:t>We are wondering why we need the arrow in “-&gt;” in “label-&gt;show();”  instead of “.” operator in “label.show();” </a:t>
             </a:r>
           </a:p>
         </p:txBody>
